--- a/Travel-Tracker-Slide.pptx
+++ b/Travel-Tracker-Slide.pptx
@@ -1,23 +1,23 @@
 
 <file path=ppt/presentation.xml><?xml version="1.0" encoding="utf-8"?>
-<p:presentation xmlns:a="http://schemas.openxmlformats.org/drawingml/2006/main" xmlns:r="http://schemas.openxmlformats.org/officeDocument/2006/relationships" xmlns:p="http://schemas.openxmlformats.org/presentationml/2006/main" saveSubsetFonts="1" embedTrueTypeFonts="true">
+<p:presentation xmlns:a="http://schemas.openxmlformats.org/drawingml/2006/main" xmlns:r="http://schemas.openxmlformats.org/officeDocument/2006/relationships" xmlns:p="http://schemas.openxmlformats.org/presentationml/2006/main" embedTrueTypeFonts="1" saveSubsetFonts="1">
   <p:sldMasterIdLst>
     <p:sldMasterId id="2147483648" r:id="rId1"/>
   </p:sldMasterIdLst>
   <p:sldIdLst>
-    <p:sldId id="256" r:id="rId6"/>
-    <p:sldId id="257" r:id="rId7"/>
+    <p:sldId id="256" r:id="rId2"/>
   </p:sldIdLst>
   <p:sldSz cx="18288000" cy="10287000"/>
   <p:notesSz cx="6858000" cy="9144000"/>
   <p:embeddedFontLst>
     <p:embeddedFont>
-      <p:font typeface="DM Sans Bold" charset="1" panose="00000000000000000000"/>
-      <p:regular r:id="rId8"/>
+      <p:font typeface="DM Sans" pitchFamily="2" charset="77"/>
+      <p:regular r:id="rId3"/>
     </p:embeddedFont>
     <p:embeddedFont>
-      <p:font typeface="DM Sans" charset="1" panose="00000000000000000000"/>
-      <p:regular r:id="rId9"/>
+      <p:font typeface="DM Sans Bold" pitchFamily="2" charset="77"/>
+      <p:regular r:id="rId4"/>
+      <p:bold r:id="rId5"/>
     </p:embeddedFont>
   </p:embeddedFontLst>
   <p:defaultTextStyle>
@@ -115,6 +115,22 @@
       </a:defRPr>
     </a:lvl9pPr>
   </p:defaultTextStyle>
+  <p:extLst>
+    <p:ext uri="{EFAFB233-063F-42B5-8137-9DF3F51BA10A}">
+      <p15:sldGuideLst xmlns:p15="http://schemas.microsoft.com/office/powerpoint/2012/main">
+        <p15:guide id="1" orient="horz" pos="2160">
+          <p15:clr>
+            <a:srgbClr val="A4A3A4"/>
+          </p15:clr>
+        </p15:guide>
+        <p15:guide id="2" pos="2880">
+          <p15:clr>
+            <a:srgbClr val="A4A3A4"/>
+          </p15:clr>
+        </p15:guide>
+      </p15:sldGuideLst>
+    </p:ext>
+  </p:extLst>
 </p:presentation>
 </file>
 
@@ -156,10 +172,9 @@
           <a:lstStyle/>
           <a:p>
             <a:r>
-              <a:rPr lang="en-US" smtClean="0"/>
+              <a:rPr lang="en-US"/>
               <a:t>Click to edit Master title style</a:t>
             </a:r>
-            <a:endParaRPr lang="en-US"/>
           </a:p>
         </p:txBody>
       </p:sp>
@@ -275,10 +290,9 @@
           </a:lstStyle>
           <a:p>
             <a:r>
-              <a:rPr lang="en-US" smtClean="0"/>
+              <a:rPr lang="en-US"/>
               <a:t>Click to edit Master subtitle style</a:t>
             </a:r>
-            <a:endParaRPr lang="en-US"/>
           </a:p>
         </p:txBody>
       </p:sp>
@@ -300,7 +314,7 @@
             <a:fld id="{1D8BD707-D9CF-40AE-B4C6-C98DA3205C09}" type="datetimeFigureOut">
               <a:rPr lang="en-US" smtClean="0"/>
               <a:pPr/>
-              <a:t>8/1/2011</a:t>
+              <a:t>10/1/25</a:t>
             </a:fld>
             <a:endParaRPr lang="en-US"/>
           </a:p>
@@ -390,10 +404,9 @@
           <a:lstStyle/>
           <a:p>
             <a:r>
-              <a:rPr lang="en-US" smtClean="0"/>
+              <a:rPr lang="en-US"/>
               <a:t>Click to edit Master title style</a:t>
             </a:r>
-            <a:endParaRPr lang="en-US"/>
           </a:p>
         </p:txBody>
       </p:sp>
@@ -414,38 +427,37 @@
           <a:p>
             <a:pPr lvl="0"/>
             <a:r>
-              <a:rPr lang="en-US" smtClean="0"/>
+              <a:rPr lang="en-US"/>
               <a:t>Click to edit Master text styles</a:t>
             </a:r>
           </a:p>
           <a:p>
             <a:pPr lvl="1"/>
             <a:r>
-              <a:rPr lang="en-US" smtClean="0"/>
+              <a:rPr lang="en-US"/>
               <a:t>Second level</a:t>
             </a:r>
           </a:p>
           <a:p>
             <a:pPr lvl="2"/>
             <a:r>
-              <a:rPr lang="en-US" smtClean="0"/>
+              <a:rPr lang="en-US"/>
               <a:t>Third level</a:t>
             </a:r>
           </a:p>
           <a:p>
             <a:pPr lvl="3"/>
             <a:r>
-              <a:rPr lang="en-US" smtClean="0"/>
+              <a:rPr lang="en-US"/>
               <a:t>Fourth level</a:t>
             </a:r>
           </a:p>
           <a:p>
             <a:pPr lvl="4"/>
             <a:r>
-              <a:rPr lang="en-US" smtClean="0"/>
+              <a:rPr lang="en-US"/>
               <a:t>Fifth level</a:t>
             </a:r>
-            <a:endParaRPr lang="en-US"/>
           </a:p>
         </p:txBody>
       </p:sp>
@@ -467,7 +479,7 @@
             <a:fld id="{1D8BD707-D9CF-40AE-B4C6-C98DA3205C09}" type="datetimeFigureOut">
               <a:rPr lang="en-US" smtClean="0"/>
               <a:pPr/>
-              <a:t>8/1/2011</a:t>
+              <a:t>10/1/25</a:t>
             </a:fld>
             <a:endParaRPr lang="en-US"/>
           </a:p>
@@ -562,10 +574,9 @@
           <a:lstStyle/>
           <a:p>
             <a:r>
-              <a:rPr lang="en-US" smtClean="0"/>
+              <a:rPr lang="en-US"/>
               <a:t>Click to edit Master title style</a:t>
             </a:r>
-            <a:endParaRPr lang="en-US"/>
           </a:p>
         </p:txBody>
       </p:sp>
@@ -591,38 +602,37 @@
           <a:p>
             <a:pPr lvl="0"/>
             <a:r>
-              <a:rPr lang="en-US" smtClean="0"/>
+              <a:rPr lang="en-US"/>
               <a:t>Click to edit Master text styles</a:t>
             </a:r>
           </a:p>
           <a:p>
             <a:pPr lvl="1"/>
             <a:r>
-              <a:rPr lang="en-US" smtClean="0"/>
+              <a:rPr lang="en-US"/>
               <a:t>Second level</a:t>
             </a:r>
           </a:p>
           <a:p>
             <a:pPr lvl="2"/>
             <a:r>
-              <a:rPr lang="en-US" smtClean="0"/>
+              <a:rPr lang="en-US"/>
               <a:t>Third level</a:t>
             </a:r>
           </a:p>
           <a:p>
             <a:pPr lvl="3"/>
             <a:r>
-              <a:rPr lang="en-US" smtClean="0"/>
+              <a:rPr lang="en-US"/>
               <a:t>Fourth level</a:t>
             </a:r>
           </a:p>
           <a:p>
             <a:pPr lvl="4"/>
             <a:r>
-              <a:rPr lang="en-US" smtClean="0"/>
+              <a:rPr lang="en-US"/>
               <a:t>Fifth level</a:t>
             </a:r>
-            <a:endParaRPr lang="en-US"/>
           </a:p>
         </p:txBody>
       </p:sp>
@@ -644,7 +654,7 @@
             <a:fld id="{1D8BD707-D9CF-40AE-B4C6-C98DA3205C09}" type="datetimeFigureOut">
               <a:rPr lang="en-US" smtClean="0"/>
               <a:pPr/>
-              <a:t>8/1/2011</a:t>
+              <a:t>10/1/25</a:t>
             </a:fld>
             <a:endParaRPr lang="en-US"/>
           </a:p>
@@ -734,10 +744,9 @@
           <a:lstStyle/>
           <a:p>
             <a:r>
-              <a:rPr lang="en-US" smtClean="0"/>
+              <a:rPr lang="en-US"/>
               <a:t>Click to edit Master title style</a:t>
             </a:r>
-            <a:endParaRPr lang="en-US"/>
           </a:p>
         </p:txBody>
       </p:sp>
@@ -758,38 +767,37 @@
           <a:p>
             <a:pPr lvl="0"/>
             <a:r>
-              <a:rPr lang="en-US" smtClean="0"/>
+              <a:rPr lang="en-US"/>
               <a:t>Click to edit Master text styles</a:t>
             </a:r>
           </a:p>
           <a:p>
             <a:pPr lvl="1"/>
             <a:r>
-              <a:rPr lang="en-US" smtClean="0"/>
+              <a:rPr lang="en-US"/>
               <a:t>Second level</a:t>
             </a:r>
           </a:p>
           <a:p>
             <a:pPr lvl="2"/>
             <a:r>
-              <a:rPr lang="en-US" smtClean="0"/>
+              <a:rPr lang="en-US"/>
               <a:t>Third level</a:t>
             </a:r>
           </a:p>
           <a:p>
             <a:pPr lvl="3"/>
             <a:r>
-              <a:rPr lang="en-US" smtClean="0"/>
+              <a:rPr lang="en-US"/>
               <a:t>Fourth level</a:t>
             </a:r>
           </a:p>
           <a:p>
             <a:pPr lvl="4"/>
             <a:r>
-              <a:rPr lang="en-US" smtClean="0"/>
+              <a:rPr lang="en-US"/>
               <a:t>Fifth level</a:t>
             </a:r>
-            <a:endParaRPr lang="en-US"/>
           </a:p>
         </p:txBody>
       </p:sp>
@@ -811,7 +819,7 @@
             <a:fld id="{1D8BD707-D9CF-40AE-B4C6-C98DA3205C09}" type="datetimeFigureOut">
               <a:rPr lang="en-US" smtClean="0"/>
               <a:pPr/>
-              <a:t>8/1/2011</a:t>
+              <a:t>10/1/25</a:t>
             </a:fld>
             <a:endParaRPr lang="en-US"/>
           </a:p>
@@ -910,10 +918,9 @@
           </a:lstStyle>
           <a:p>
             <a:r>
-              <a:rPr lang="en-US" smtClean="0"/>
+              <a:rPr lang="en-US"/>
               <a:t>Click to edit Master title style</a:t>
             </a:r>
-            <a:endParaRPr lang="en-US"/>
           </a:p>
         </p:txBody>
       </p:sp>
@@ -1030,7 +1037,7 @@
           <a:p>
             <a:pPr lvl="0"/>
             <a:r>
-              <a:rPr lang="en-US" smtClean="0"/>
+              <a:rPr lang="en-US"/>
               <a:t>Click to edit Master text styles</a:t>
             </a:r>
           </a:p>
@@ -1054,7 +1061,7 @@
             <a:fld id="{1D8BD707-D9CF-40AE-B4C6-C98DA3205C09}" type="datetimeFigureOut">
               <a:rPr lang="en-US" smtClean="0"/>
               <a:pPr/>
-              <a:t>8/1/2011</a:t>
+              <a:t>10/1/25</a:t>
             </a:fld>
             <a:endParaRPr lang="en-US"/>
           </a:p>
@@ -1144,10 +1151,9 @@
           <a:lstStyle/>
           <a:p>
             <a:r>
-              <a:rPr lang="en-US" smtClean="0"/>
+              <a:rPr lang="en-US"/>
               <a:t>Click to edit Master title style</a:t>
             </a:r>
-            <a:endParaRPr lang="en-US"/>
           </a:p>
         </p:txBody>
       </p:sp>
@@ -1201,38 +1207,37 @@
           <a:p>
             <a:pPr lvl="0"/>
             <a:r>
-              <a:rPr lang="en-US" smtClean="0"/>
+              <a:rPr lang="en-US"/>
               <a:t>Click to edit Master text styles</a:t>
             </a:r>
           </a:p>
           <a:p>
             <a:pPr lvl="1"/>
             <a:r>
-              <a:rPr lang="en-US" smtClean="0"/>
+              <a:rPr lang="en-US"/>
               <a:t>Second level</a:t>
             </a:r>
           </a:p>
           <a:p>
             <a:pPr lvl="2"/>
             <a:r>
-              <a:rPr lang="en-US" smtClean="0"/>
+              <a:rPr lang="en-US"/>
               <a:t>Third level</a:t>
             </a:r>
           </a:p>
           <a:p>
             <a:pPr lvl="3"/>
             <a:r>
-              <a:rPr lang="en-US" smtClean="0"/>
+              <a:rPr lang="en-US"/>
               <a:t>Fourth level</a:t>
             </a:r>
           </a:p>
           <a:p>
             <a:pPr lvl="4"/>
             <a:r>
-              <a:rPr lang="en-US" smtClean="0"/>
+              <a:rPr lang="en-US"/>
               <a:t>Fifth level</a:t>
             </a:r>
-            <a:endParaRPr lang="en-US"/>
           </a:p>
         </p:txBody>
       </p:sp>
@@ -1286,38 +1291,37 @@
           <a:p>
             <a:pPr lvl="0"/>
             <a:r>
-              <a:rPr lang="en-US" smtClean="0"/>
+              <a:rPr lang="en-US"/>
               <a:t>Click to edit Master text styles</a:t>
             </a:r>
           </a:p>
           <a:p>
             <a:pPr lvl="1"/>
             <a:r>
-              <a:rPr lang="en-US" smtClean="0"/>
+              <a:rPr lang="en-US"/>
               <a:t>Second level</a:t>
             </a:r>
           </a:p>
           <a:p>
             <a:pPr lvl="2"/>
             <a:r>
-              <a:rPr lang="en-US" smtClean="0"/>
+              <a:rPr lang="en-US"/>
               <a:t>Third level</a:t>
             </a:r>
           </a:p>
           <a:p>
             <a:pPr lvl="3"/>
             <a:r>
-              <a:rPr lang="en-US" smtClean="0"/>
+              <a:rPr lang="en-US"/>
               <a:t>Fourth level</a:t>
             </a:r>
           </a:p>
           <a:p>
             <a:pPr lvl="4"/>
             <a:r>
-              <a:rPr lang="en-US" smtClean="0"/>
+              <a:rPr lang="en-US"/>
               <a:t>Fifth level</a:t>
             </a:r>
-            <a:endParaRPr lang="en-US"/>
           </a:p>
         </p:txBody>
       </p:sp>
@@ -1339,7 +1343,7 @@
             <a:fld id="{1D8BD707-D9CF-40AE-B4C6-C98DA3205C09}" type="datetimeFigureOut">
               <a:rPr lang="en-US" smtClean="0"/>
               <a:pPr/>
-              <a:t>8/1/2011</a:t>
+              <a:t>10/1/25</a:t>
             </a:fld>
             <a:endParaRPr lang="en-US"/>
           </a:p>
@@ -1433,10 +1437,9 @@
           </a:lstStyle>
           <a:p>
             <a:r>
-              <a:rPr lang="en-US" smtClean="0"/>
+              <a:rPr lang="en-US"/>
               <a:t>Click to edit Master title style</a:t>
             </a:r>
-            <a:endParaRPr lang="en-US"/>
           </a:p>
         </p:txBody>
       </p:sp>
@@ -1499,7 +1502,7 @@
           <a:p>
             <a:pPr lvl="0"/>
             <a:r>
-              <a:rPr lang="en-US" smtClean="0"/>
+              <a:rPr lang="en-US"/>
               <a:t>Click to edit Master text styles</a:t>
             </a:r>
           </a:p>
@@ -1555,38 +1558,37 @@
           <a:p>
             <a:pPr lvl="0"/>
             <a:r>
-              <a:rPr lang="en-US" smtClean="0"/>
+              <a:rPr lang="en-US"/>
               <a:t>Click to edit Master text styles</a:t>
             </a:r>
           </a:p>
           <a:p>
             <a:pPr lvl="1"/>
             <a:r>
-              <a:rPr lang="en-US" smtClean="0"/>
+              <a:rPr lang="en-US"/>
               <a:t>Second level</a:t>
             </a:r>
           </a:p>
           <a:p>
             <a:pPr lvl="2"/>
             <a:r>
-              <a:rPr lang="en-US" smtClean="0"/>
+              <a:rPr lang="en-US"/>
               <a:t>Third level</a:t>
             </a:r>
           </a:p>
           <a:p>
             <a:pPr lvl="3"/>
             <a:r>
-              <a:rPr lang="en-US" smtClean="0"/>
+              <a:rPr lang="en-US"/>
               <a:t>Fourth level</a:t>
             </a:r>
           </a:p>
           <a:p>
             <a:pPr lvl="4"/>
             <a:r>
-              <a:rPr lang="en-US" smtClean="0"/>
+              <a:rPr lang="en-US"/>
               <a:t>Fifth level</a:t>
             </a:r>
-            <a:endParaRPr lang="en-US"/>
           </a:p>
         </p:txBody>
       </p:sp>
@@ -1649,7 +1651,7 @@
           <a:p>
             <a:pPr lvl="0"/>
             <a:r>
-              <a:rPr lang="en-US" smtClean="0"/>
+              <a:rPr lang="en-US"/>
               <a:t>Click to edit Master text styles</a:t>
             </a:r>
           </a:p>
@@ -1705,38 +1707,37 @@
           <a:p>
             <a:pPr lvl="0"/>
             <a:r>
-              <a:rPr lang="en-US" smtClean="0"/>
+              <a:rPr lang="en-US"/>
               <a:t>Click to edit Master text styles</a:t>
             </a:r>
           </a:p>
           <a:p>
             <a:pPr lvl="1"/>
             <a:r>
-              <a:rPr lang="en-US" smtClean="0"/>
+              <a:rPr lang="en-US"/>
               <a:t>Second level</a:t>
             </a:r>
           </a:p>
           <a:p>
             <a:pPr lvl="2"/>
             <a:r>
-              <a:rPr lang="en-US" smtClean="0"/>
+              <a:rPr lang="en-US"/>
               <a:t>Third level</a:t>
             </a:r>
           </a:p>
           <a:p>
             <a:pPr lvl="3"/>
             <a:r>
-              <a:rPr lang="en-US" smtClean="0"/>
+              <a:rPr lang="en-US"/>
               <a:t>Fourth level</a:t>
             </a:r>
           </a:p>
           <a:p>
             <a:pPr lvl="4"/>
             <a:r>
-              <a:rPr lang="en-US" smtClean="0"/>
+              <a:rPr lang="en-US"/>
               <a:t>Fifth level</a:t>
             </a:r>
-            <a:endParaRPr lang="en-US"/>
           </a:p>
         </p:txBody>
       </p:sp>
@@ -1758,7 +1759,7 @@
             <a:fld id="{1D8BD707-D9CF-40AE-B4C6-C98DA3205C09}" type="datetimeFigureOut">
               <a:rPr lang="en-US" smtClean="0"/>
               <a:pPr/>
-              <a:t>8/1/2011</a:t>
+              <a:t>10/1/25</a:t>
             </a:fld>
             <a:endParaRPr lang="en-US"/>
           </a:p>
@@ -1848,10 +1849,9 @@
           <a:lstStyle/>
           <a:p>
             <a:r>
-              <a:rPr lang="en-US" smtClean="0"/>
+              <a:rPr lang="en-US"/>
               <a:t>Click to edit Master title style</a:t>
             </a:r>
-            <a:endParaRPr lang="en-US"/>
           </a:p>
         </p:txBody>
       </p:sp>
@@ -1873,7 +1873,7 @@
             <a:fld id="{1D8BD707-D9CF-40AE-B4C6-C98DA3205C09}" type="datetimeFigureOut">
               <a:rPr lang="en-US" smtClean="0"/>
               <a:pPr/>
-              <a:t>8/1/2011</a:t>
+              <a:t>10/1/25</a:t>
             </a:fld>
             <a:endParaRPr lang="en-US"/>
           </a:p>
@@ -1965,7 +1965,7 @@
             <a:fld id="{1D8BD707-D9CF-40AE-B4C6-C98DA3205C09}" type="datetimeFigureOut">
               <a:rPr lang="en-US" smtClean="0"/>
               <a:pPr/>
-              <a:t>8/1/2011</a:t>
+              <a:t>10/1/25</a:t>
             </a:fld>
             <a:endParaRPr lang="en-US"/>
           </a:p>
@@ -2064,10 +2064,9 @@
           </a:lstStyle>
           <a:p>
             <a:r>
-              <a:rPr lang="en-US" smtClean="0"/>
+              <a:rPr lang="en-US"/>
               <a:t>Click to edit Master title style</a:t>
             </a:r>
-            <a:endParaRPr lang="en-US"/>
           </a:p>
         </p:txBody>
       </p:sp>
@@ -2121,38 +2120,37 @@
           <a:p>
             <a:pPr lvl="0"/>
             <a:r>
-              <a:rPr lang="en-US" smtClean="0"/>
+              <a:rPr lang="en-US"/>
               <a:t>Click to edit Master text styles</a:t>
             </a:r>
           </a:p>
           <a:p>
             <a:pPr lvl="1"/>
             <a:r>
-              <a:rPr lang="en-US" smtClean="0"/>
+              <a:rPr lang="en-US"/>
               <a:t>Second level</a:t>
             </a:r>
           </a:p>
           <a:p>
             <a:pPr lvl="2"/>
             <a:r>
-              <a:rPr lang="en-US" smtClean="0"/>
+              <a:rPr lang="en-US"/>
               <a:t>Third level</a:t>
             </a:r>
           </a:p>
           <a:p>
             <a:pPr lvl="3"/>
             <a:r>
-              <a:rPr lang="en-US" smtClean="0"/>
+              <a:rPr lang="en-US"/>
               <a:t>Fourth level</a:t>
             </a:r>
           </a:p>
           <a:p>
             <a:pPr lvl="4"/>
             <a:r>
-              <a:rPr lang="en-US" smtClean="0"/>
+              <a:rPr lang="en-US"/>
               <a:t>Fifth level</a:t>
             </a:r>
-            <a:endParaRPr lang="en-US"/>
           </a:p>
         </p:txBody>
       </p:sp>
@@ -2215,7 +2213,7 @@
           <a:p>
             <a:pPr lvl="0"/>
             <a:r>
-              <a:rPr lang="en-US" smtClean="0"/>
+              <a:rPr lang="en-US"/>
               <a:t>Click to edit Master text styles</a:t>
             </a:r>
           </a:p>
@@ -2239,7 +2237,7 @@
             <a:fld id="{1D8BD707-D9CF-40AE-B4C6-C98DA3205C09}" type="datetimeFigureOut">
               <a:rPr lang="en-US" smtClean="0"/>
               <a:pPr/>
-              <a:t>8/1/2011</a:t>
+              <a:t>10/1/25</a:t>
             </a:fld>
             <a:endParaRPr lang="en-US"/>
           </a:p>
@@ -2338,10 +2336,9 @@
           </a:lstStyle>
           <a:p>
             <a:r>
-              <a:rPr lang="en-US" smtClean="0"/>
+              <a:rPr lang="en-US"/>
               <a:t>Click to edit Master title style</a:t>
             </a:r>
-            <a:endParaRPr lang="en-US"/>
           </a:p>
         </p:txBody>
       </p:sp>
@@ -2465,7 +2462,7 @@
           <a:p>
             <a:pPr lvl="0"/>
             <a:r>
-              <a:rPr lang="en-US" smtClean="0"/>
+              <a:rPr lang="en-US"/>
               <a:t>Click to edit Master text styles</a:t>
             </a:r>
           </a:p>
@@ -2489,7 +2486,7 @@
             <a:fld id="{1D8BD707-D9CF-40AE-B4C6-C98DA3205C09}" type="datetimeFigureOut">
               <a:rPr lang="en-US" smtClean="0"/>
               <a:pPr/>
-              <a:t>8/1/2011</a:t>
+              <a:t>10/1/25</a:t>
             </a:fld>
             <a:endParaRPr lang="en-US"/>
           </a:p>
@@ -2594,10 +2591,9 @@
           <a:lstStyle/>
           <a:p>
             <a:r>
-              <a:rPr lang="en-US" smtClean="0"/>
+              <a:rPr lang="en-US"/>
               <a:t>Click to edit Master title style</a:t>
             </a:r>
-            <a:endParaRPr lang="en-US"/>
           </a:p>
         </p:txBody>
       </p:sp>
@@ -2628,38 +2624,37 @@
           <a:p>
             <a:pPr lvl="0"/>
             <a:r>
-              <a:rPr lang="en-US" smtClean="0"/>
+              <a:rPr lang="en-US"/>
               <a:t>Click to edit Master text styles</a:t>
             </a:r>
           </a:p>
           <a:p>
             <a:pPr lvl="1"/>
             <a:r>
-              <a:rPr lang="en-US" smtClean="0"/>
+              <a:rPr lang="en-US"/>
               <a:t>Second level</a:t>
             </a:r>
           </a:p>
           <a:p>
             <a:pPr lvl="2"/>
             <a:r>
-              <a:rPr lang="en-US" smtClean="0"/>
+              <a:rPr lang="en-US"/>
               <a:t>Third level</a:t>
             </a:r>
           </a:p>
           <a:p>
             <a:pPr lvl="3"/>
             <a:r>
-              <a:rPr lang="en-US" smtClean="0"/>
+              <a:rPr lang="en-US"/>
               <a:t>Fourth level</a:t>
             </a:r>
           </a:p>
           <a:p>
             <a:pPr lvl="4"/>
             <a:r>
-              <a:rPr lang="en-US" smtClean="0"/>
+              <a:rPr lang="en-US"/>
               <a:t>Fifth level</a:t>
             </a:r>
-            <a:endParaRPr lang="en-US"/>
           </a:p>
         </p:txBody>
       </p:sp>
@@ -2699,7 +2694,7 @@
             <a:fld id="{1D8BD707-D9CF-40AE-B4C6-C98DA3205C09}" type="datetimeFigureOut">
               <a:rPr lang="en-US" smtClean="0"/>
               <a:pPr/>
-              <a:t>8/1/2011</a:t>
+              <a:t>10/1/25</a:t>
             </a:fld>
             <a:endParaRPr lang="en-US"/>
           </a:p>
@@ -3054,13 +3049,14 @@
 </file>
 
 <file path=ppt/slides/slide1.xml><?xml version="1.0" encoding="utf-8"?>
-<p:sld xmlns:p="http://schemas.openxmlformats.org/presentationml/2006/main" xmlns:a="http://schemas.openxmlformats.org/drawingml/2006/main" xmlns:r="http://schemas.openxmlformats.org/officeDocument/2006/relationships">
+<p:sld xmlns:a="http://schemas.openxmlformats.org/drawingml/2006/main" xmlns:r="http://schemas.openxmlformats.org/officeDocument/2006/relationships" xmlns:p="http://schemas.openxmlformats.org/presentationml/2006/main">
   <p:cSld>
     <p:bg>
       <p:bgPr>
         <a:solidFill>
           <a:srgbClr val="F1F1F1"/>
         </a:solidFill>
+        <a:effectLst/>
       </p:bgPr>
     </p:bg>
     <p:spTree>
@@ -3079,12 +3075,12 @@
       </p:grpSpPr>
       <p:sp>
         <p:nvSpPr>
-          <p:cNvPr name="Freeform 2" id="2"/>
+          <p:cNvPr id="2" name="Freeform 2"/>
           <p:cNvSpPr/>
           <p:nvPr/>
         </p:nvSpPr>
         <p:spPr>
-          <a:xfrm flipH="false" flipV="false" rot="0">
+          <a:xfrm>
             <a:off x="15353489" y="8540136"/>
             <a:ext cx="4602314" cy="3618569"/>
           </a:xfrm>
@@ -3093,9 +3089,9 @@
             <a:gdLst/>
             <a:ahLst/>
             <a:cxnLst/>
-            <a:rect r="r" b="b" t="t" l="l"/>
+            <a:rect l="l" t="t" r="r" b="b"/>
             <a:pathLst>
-              <a:path h="3618569" w="4602314">
+              <a:path w="4602314" h="3618569">
                 <a:moveTo>
                   <a:pt x="0" y="0"/>
                 </a:moveTo>
@@ -3124,7 +3120,7 @@
               </a:extLst>
             </a:blip>
             <a:stretch>
-              <a:fillRect l="0" t="0" r="0" b="0"/>
+              <a:fillRect/>
             </a:stretch>
           </a:blipFill>
           <a:ln cap="sq">
@@ -3133,15 +3129,22 @@
             <a:miter/>
           </a:ln>
         </p:spPr>
-      </p:sp>
-      <p:sp>
-        <p:nvSpPr>
-          <p:cNvPr name="Freeform 3" id="3"/>
+        <p:txBody>
+          <a:bodyPr/>
+          <a:lstStyle/>
+          <a:p>
+            <a:endParaRPr lang="en-US"/>
+          </a:p>
+        </p:txBody>
+      </p:sp>
+      <p:sp>
+        <p:nvSpPr>
+          <p:cNvPr id="3" name="Freeform 3"/>
           <p:cNvSpPr/>
           <p:nvPr/>
         </p:nvSpPr>
         <p:spPr>
-          <a:xfrm flipH="false" flipV="false" rot="0">
+          <a:xfrm>
             <a:off x="-674156" y="-1072630"/>
             <a:ext cx="4899948" cy="3068592"/>
           </a:xfrm>
@@ -3150,9 +3153,9 @@
             <a:gdLst/>
             <a:ahLst/>
             <a:cxnLst/>
-            <a:rect r="r" b="b" t="t" l="l"/>
+            <a:rect l="l" t="t" r="r" b="b"/>
             <a:pathLst>
-              <a:path h="3068592" w="4899948">
+              <a:path w="4899948" h="3068592">
                 <a:moveTo>
                   <a:pt x="0" y="0"/>
                 </a:moveTo>
@@ -3181,7 +3184,7 @@
               </a:extLst>
             </a:blip>
             <a:stretch>
-              <a:fillRect l="0" t="0" r="0" b="0"/>
+              <a:fillRect/>
             </a:stretch>
           </a:blipFill>
           <a:ln cap="sq">
@@ -3190,15 +3193,22 @@
             <a:miter/>
           </a:ln>
         </p:spPr>
-      </p:sp>
-      <p:sp>
-        <p:nvSpPr>
-          <p:cNvPr name="Freeform 4" id="4"/>
+        <p:txBody>
+          <a:bodyPr/>
+          <a:lstStyle/>
+          <a:p>
+            <a:endParaRPr lang="en-US"/>
+          </a:p>
+        </p:txBody>
+      </p:sp>
+      <p:sp>
+        <p:nvSpPr>
+          <p:cNvPr id="4" name="Freeform 4"/>
           <p:cNvSpPr/>
           <p:nvPr/>
         </p:nvSpPr>
         <p:spPr>
-          <a:xfrm flipH="false" flipV="false" rot="0">
+          <a:xfrm>
             <a:off x="9144000" y="9258300"/>
             <a:ext cx="4076270" cy="2863579"/>
           </a:xfrm>
@@ -3207,9 +3217,9 @@
             <a:gdLst/>
             <a:ahLst/>
             <a:cxnLst/>
-            <a:rect r="r" b="b" t="t" l="l"/>
+            <a:rect l="l" t="t" r="r" b="b"/>
             <a:pathLst>
-              <a:path h="2863579" w="4076270">
+              <a:path w="4076270" h="2863579">
                 <a:moveTo>
                   <a:pt x="0" y="0"/>
                 </a:moveTo>
@@ -3238,7 +3248,7 @@
               </a:extLst>
             </a:blip>
             <a:stretch>
-              <a:fillRect l="0" t="0" r="0" b="0"/>
+              <a:fillRect/>
             </a:stretch>
           </a:blipFill>
           <a:ln cap="sq">
@@ -3247,15 +3257,22 @@
             <a:miter/>
           </a:ln>
         </p:spPr>
-      </p:sp>
-      <p:sp>
-        <p:nvSpPr>
-          <p:cNvPr name="Freeform 5" id="5"/>
+        <p:txBody>
+          <a:bodyPr/>
+          <a:lstStyle/>
+          <a:p>
+            <a:endParaRPr lang="en-US"/>
+          </a:p>
+        </p:txBody>
+      </p:sp>
+      <p:sp>
+        <p:nvSpPr>
+          <p:cNvPr id="5" name="Freeform 5"/>
           <p:cNvSpPr/>
           <p:nvPr/>
         </p:nvSpPr>
         <p:spPr>
-          <a:xfrm flipH="false" flipV="false" rot="0">
+          <a:xfrm>
             <a:off x="5003948" y="-1890601"/>
             <a:ext cx="2892762" cy="2919301"/>
           </a:xfrm>
@@ -3264,9 +3281,9 @@
             <a:gdLst/>
             <a:ahLst/>
             <a:cxnLst/>
-            <a:rect r="r" b="b" t="t" l="l"/>
+            <a:rect l="l" t="t" r="r" b="b"/>
             <a:pathLst>
-              <a:path h="2919301" w="2892762">
+              <a:path w="2892762" h="2919301">
                 <a:moveTo>
                   <a:pt x="0" y="0"/>
                 </a:moveTo>
@@ -3295,7 +3312,7 @@
               </a:extLst>
             </a:blip>
             <a:stretch>
-              <a:fillRect l="0" t="0" r="0" b="0"/>
+              <a:fillRect/>
             </a:stretch>
           </a:blipFill>
           <a:ln cap="sq">
@@ -3304,15 +3321,22 @@
             <a:miter/>
           </a:ln>
         </p:spPr>
-      </p:sp>
-      <p:sp>
-        <p:nvSpPr>
-          <p:cNvPr name="Freeform 6" id="6"/>
+        <p:txBody>
+          <a:bodyPr/>
+          <a:lstStyle/>
+          <a:p>
+            <a:endParaRPr lang="en-US"/>
+          </a:p>
+        </p:txBody>
+      </p:sp>
+      <p:sp>
+        <p:nvSpPr>
+          <p:cNvPr id="6" name="Freeform 6"/>
           <p:cNvSpPr/>
           <p:nvPr/>
         </p:nvSpPr>
         <p:spPr>
-          <a:xfrm flipH="false" flipV="false" rot="-5282649">
+          <a:xfrm rot="-5282649">
             <a:off x="16004285" y="265374"/>
             <a:ext cx="4017207" cy="1370872"/>
           </a:xfrm>
@@ -3321,9 +3345,9 @@
             <a:gdLst/>
             <a:ahLst/>
             <a:cxnLst/>
-            <a:rect r="r" b="b" t="t" l="l"/>
+            <a:rect l="l" t="t" r="r" b="b"/>
             <a:pathLst>
-              <a:path h="1370872" w="4017207">
+              <a:path w="4017207" h="1370872">
                 <a:moveTo>
                   <a:pt x="0" y="0"/>
                 </a:moveTo>
@@ -3352,7 +3376,7 @@
               </a:extLst>
             </a:blip>
             <a:stretch>
-              <a:fillRect l="0" t="0" r="0" b="0"/>
+              <a:fillRect/>
             </a:stretch>
           </a:blipFill>
           <a:ln cap="sq">
@@ -3361,15 +3385,22 @@
             <a:miter/>
           </a:ln>
         </p:spPr>
-      </p:sp>
-      <p:sp>
-        <p:nvSpPr>
-          <p:cNvPr name="Freeform 7" id="7"/>
+        <p:txBody>
+          <a:bodyPr/>
+          <a:lstStyle/>
+          <a:p>
+            <a:endParaRPr lang="en-US"/>
+          </a:p>
+        </p:txBody>
+      </p:sp>
+      <p:sp>
+        <p:nvSpPr>
+          <p:cNvPr id="7" name="Freeform 7"/>
           <p:cNvSpPr/>
           <p:nvPr/>
         </p:nvSpPr>
         <p:spPr>
-          <a:xfrm flipH="false" flipV="false" rot="0">
+          <a:xfrm>
             <a:off x="2177896" y="-1263481"/>
             <a:ext cx="7674877" cy="5116584"/>
           </a:xfrm>
@@ -3378,9 +3409,9 @@
             <a:gdLst/>
             <a:ahLst/>
             <a:cxnLst/>
-            <a:rect r="r" b="b" t="t" l="l"/>
+            <a:rect l="l" t="t" r="r" b="b"/>
             <a:pathLst>
-              <a:path h="5116584" w="7674877">
+              <a:path w="7674877" h="5116584">
                 <a:moveTo>
                   <a:pt x="0" y="0"/>
                 </a:moveTo>
@@ -3403,19 +3434,26 @@
           <a:blipFill>
             <a:blip r:embed="rId12"/>
             <a:stretch>
-              <a:fillRect l="0" t="0" r="0" b="0"/>
+              <a:fillRect/>
             </a:stretch>
           </a:blipFill>
         </p:spPr>
-      </p:sp>
-      <p:sp>
-        <p:nvSpPr>
-          <p:cNvPr name="Freeform 8" id="8"/>
+        <p:txBody>
+          <a:bodyPr/>
+          <a:lstStyle/>
+          <a:p>
+            <a:endParaRPr lang="en-US"/>
+          </a:p>
+        </p:txBody>
+      </p:sp>
+      <p:sp>
+        <p:nvSpPr>
+          <p:cNvPr id="8" name="Freeform 8"/>
           <p:cNvSpPr/>
           <p:nvPr/>
         </p:nvSpPr>
         <p:spPr>
-          <a:xfrm flipH="false" flipV="false" rot="0">
+          <a:xfrm>
             <a:off x="0" y="2135169"/>
             <a:ext cx="9852773" cy="6281143"/>
           </a:xfrm>
@@ -3424,9 +3462,9 @@
             <a:gdLst/>
             <a:ahLst/>
             <a:cxnLst/>
-            <a:rect r="r" b="b" t="t" l="l"/>
+            <a:rect l="l" t="t" r="r" b="b"/>
             <a:pathLst>
-              <a:path h="6281143" w="9852773">
+              <a:path w="9852773" h="6281143">
                 <a:moveTo>
                   <a:pt x="0" y="0"/>
                 </a:moveTo>
@@ -3449,19 +3487,26 @@
           <a:blipFill>
             <a:blip r:embed="rId13"/>
             <a:stretch>
-              <a:fillRect l="0" t="0" r="0" b="0"/>
+              <a:fillRect/>
             </a:stretch>
           </a:blipFill>
         </p:spPr>
-      </p:sp>
-      <p:sp>
-        <p:nvSpPr>
-          <p:cNvPr name="TextBox 9" id="9"/>
-          <p:cNvSpPr txBox="true"/>
+        <p:txBody>
+          <a:bodyPr/>
+          <a:lstStyle/>
+          <a:p>
+            <a:endParaRPr lang="en-US"/>
+          </a:p>
+        </p:txBody>
+      </p:sp>
+      <p:sp>
+        <p:nvSpPr>
+          <p:cNvPr id="9" name="TextBox 9"/>
+          <p:cNvSpPr txBox="1"/>
           <p:nvPr/>
         </p:nvSpPr>
         <p:spPr>
-          <a:xfrm rot="0">
+          <a:xfrm>
             <a:off x="279993" y="7392122"/>
             <a:ext cx="9823869" cy="3099435"/>
           </a:xfrm>
@@ -3470,7 +3515,7 @@
           </a:prstGeom>
         </p:spPr>
         <p:txBody>
-          <a:bodyPr anchor="t" rtlCol="false" tIns="0" lIns="0" bIns="0" rIns="0">
+          <a:bodyPr lIns="0" tIns="0" rIns="0" bIns="0" rtlCol="0" anchor="t">
             <a:spAutoFit/>
           </a:bodyPr>
           <a:lstStyle/>
@@ -3481,7 +3526,7 @@
               </a:lnSpc>
             </a:pPr>
             <a:r>
-              <a:rPr lang="en-US" sz="2599" spc="155" b="true">
+              <a:rPr lang="en-US" sz="2599" b="1" spc="155">
                 <a:solidFill>
                   <a:srgbClr val="000000"/>
                 </a:solidFill>
@@ -3494,7 +3539,7 @@
             </a:r>
           </a:p>
           <a:p>
-            <a:pPr algn="l" marL="431799" indent="-215899" lvl="1">
+            <a:pPr marL="431799" lvl="1" indent="-215899" algn="l">
               <a:lnSpc>
                 <a:spcPts val="2699"/>
               </a:lnSpc>
@@ -3517,7 +3562,7 @@
               <a:t>C</a:t>
             </a:r>
             <a:r>
-              <a:rPr lang="en-US" sz="1999" spc="119" u="none">
+              <a:rPr lang="en-US" sz="1999" u="none" spc="119">
                 <a:solidFill>
                   <a:srgbClr val="000000"/>
                 </a:solidFill>
@@ -3530,7 +3575,7 @@
             </a:r>
           </a:p>
           <a:p>
-            <a:pPr algn="l" marL="431799" indent="-215899" lvl="1">
+            <a:pPr marL="431799" lvl="1" indent="-215899" algn="l">
               <a:lnSpc>
                 <a:spcPts val="2699"/>
               </a:lnSpc>
@@ -3541,7 +3586,7 @@
               <a:buChar char="•"/>
             </a:pPr>
             <a:r>
-              <a:rPr lang="en-US" sz="1999" spc="119" u="none">
+              <a:rPr lang="en-US" sz="1999" u="none" spc="119">
                 <a:solidFill>
                   <a:srgbClr val="000000"/>
                 </a:solidFill>
@@ -3554,7 +3599,7 @@
             </a:r>
           </a:p>
           <a:p>
-            <a:pPr algn="l" marL="431799" indent="-215899" lvl="1">
+            <a:pPr marL="431799" lvl="1" indent="-215899" algn="l">
               <a:lnSpc>
                 <a:spcPts val="2699"/>
               </a:lnSpc>
@@ -3565,7 +3610,7 @@
               <a:buChar char="•"/>
             </a:pPr>
             <a:r>
-              <a:rPr lang="en-US" sz="1999" spc="119" u="none">
+              <a:rPr lang="en-US" sz="1999" u="none" spc="119">
                 <a:solidFill>
                   <a:srgbClr val="000000"/>
                 </a:solidFill>
@@ -3578,7 +3623,7 @@
             </a:r>
           </a:p>
           <a:p>
-            <a:pPr algn="l" marL="431799" indent="-215899" lvl="1">
+            <a:pPr marL="431799" lvl="1" indent="-215899" algn="l">
               <a:lnSpc>
                 <a:spcPts val="2699"/>
               </a:lnSpc>
@@ -3589,7 +3634,7 @@
               <a:buChar char="•"/>
             </a:pPr>
             <a:r>
-              <a:rPr lang="en-US" sz="1999" spc="119" u="none">
+              <a:rPr lang="en-US" sz="1999" u="none" spc="119">
                 <a:solidFill>
                   <a:srgbClr val="000000"/>
                 </a:solidFill>
@@ -3602,7 +3647,7 @@
             </a:r>
           </a:p>
           <a:p>
-            <a:pPr algn="l" marL="431799" indent="-215899" lvl="1">
+            <a:pPr marL="431799" lvl="1" indent="-215899" algn="l">
               <a:lnSpc>
                 <a:spcPts val="2699"/>
               </a:lnSpc>
@@ -3613,7 +3658,7 @@
               <a:buChar char="•"/>
             </a:pPr>
             <a:r>
-              <a:rPr lang="en-US" sz="1999" spc="119" u="none">
+              <a:rPr lang="en-US" sz="1999" u="none" spc="119">
                 <a:solidFill>
                   <a:srgbClr val="000000"/>
                 </a:solidFill>
@@ -3626,7 +3671,7 @@
             </a:r>
           </a:p>
           <a:p>
-            <a:pPr algn="l" marL="0" indent="0" lvl="0">
+            <a:pPr marL="0" lvl="0" indent="0" algn="l">
               <a:lnSpc>
                 <a:spcPts val="2699"/>
               </a:lnSpc>
@@ -3634,17 +3679,26 @@
                 <a:spcPct val="0"/>
               </a:spcBef>
             </a:pPr>
-          </a:p>
-        </p:txBody>
-      </p:sp>
-      <p:sp>
-        <p:nvSpPr>
-          <p:cNvPr name="TextBox 10" id="10"/>
-          <p:cNvSpPr txBox="true"/>
+            <a:endParaRPr lang="en-US" sz="1999" u="none" spc="119">
+              <a:solidFill>
+                <a:srgbClr val="000000"/>
+              </a:solidFill>
+              <a:latin typeface="DM Sans"/>
+              <a:ea typeface="DM Sans"/>
+              <a:cs typeface="DM Sans"/>
+              <a:sym typeface="DM Sans"/>
+            </a:endParaRPr>
+          </a:p>
+        </p:txBody>
+      </p:sp>
+      <p:sp>
+        <p:nvSpPr>
+          <p:cNvPr id="10" name="TextBox 10"/>
+          <p:cNvSpPr txBox="1"/>
           <p:nvPr/>
         </p:nvSpPr>
         <p:spPr>
-          <a:xfrm rot="0">
+          <a:xfrm>
             <a:off x="9633686" y="1957862"/>
             <a:ext cx="8654314" cy="7451408"/>
           </a:xfrm>
@@ -3653,7 +3707,7 @@
           </a:prstGeom>
         </p:spPr>
         <p:txBody>
-          <a:bodyPr anchor="t" rtlCol="false" tIns="0" lIns="0" bIns="0" rIns="0">
+          <a:bodyPr lIns="0" tIns="0" rIns="0" bIns="0" rtlCol="0" anchor="t">
             <a:spAutoFit/>
           </a:bodyPr>
           <a:lstStyle/>
@@ -3664,7 +3718,7 @@
               </a:lnSpc>
             </a:pPr>
             <a:r>
-              <a:rPr lang="en-US" sz="2699" spc="161" b="true">
+              <a:rPr lang="en-US" sz="2699" b="1" spc="161">
                 <a:solidFill>
                   <a:srgbClr val="000000"/>
                 </a:solidFill>
@@ -3677,7 +3731,7 @@
             </a:r>
           </a:p>
           <a:p>
-            <a:pPr algn="l" marL="431799" indent="-215899" lvl="1">
+            <a:pPr marL="431799" lvl="1" indent="-215899" algn="l">
               <a:lnSpc>
                 <a:spcPts val="2699"/>
               </a:lnSpc>
@@ -3700,7 +3754,7 @@
               <a:t>C</a:t>
             </a:r>
             <a:r>
-              <a:rPr lang="en-US" sz="1999" spc="119" u="none">
+              <a:rPr lang="en-US" sz="1999" u="none" spc="119">
                 <a:solidFill>
                   <a:srgbClr val="000000"/>
                 </a:solidFill>
@@ -3721,9 +3775,18 @@
                 <a:spcPct val="0"/>
               </a:spcBef>
             </a:pPr>
-          </a:p>
-          <a:p>
-            <a:pPr algn="l" marL="431799" indent="-215899" lvl="1">
+            <a:endParaRPr lang="en-US" sz="1999" u="none" spc="119">
+              <a:solidFill>
+                <a:srgbClr val="000000"/>
+              </a:solidFill>
+              <a:latin typeface="DM Sans"/>
+              <a:ea typeface="DM Sans"/>
+              <a:cs typeface="DM Sans"/>
+              <a:sym typeface="DM Sans"/>
+            </a:endParaRPr>
+          </a:p>
+          <a:p>
+            <a:pPr marL="431799" lvl="1" indent="-215899" algn="l">
               <a:lnSpc>
                 <a:spcPts val="2699"/>
               </a:lnSpc>
@@ -3734,7 +3797,7 @@
               <a:buChar char="•"/>
             </a:pPr>
             <a:r>
-              <a:rPr lang="en-US" sz="1999" spc="119" u="none">
+              <a:rPr lang="en-US" sz="1999" u="none" spc="119">
                 <a:solidFill>
                   <a:srgbClr val="000000"/>
                 </a:solidFill>
@@ -3743,19 +3806,7 @@
                 <a:cs typeface="DM Sans"/>
                 <a:sym typeface="DM Sans"/>
               </a:rPr>
-              <a:t>T</a:t>
-            </a:r>
-            <a:r>
-              <a:rPr lang="en-US" sz="1999" spc="119" u="none">
-                <a:solidFill>
-                  <a:srgbClr val="000000"/>
-                </a:solidFill>
-                <a:latin typeface="DM Sans"/>
-                <a:ea typeface="DM Sans"/>
-                <a:cs typeface="DM Sans"/>
-                <a:sym typeface="DM Sans"/>
-              </a:rPr>
-              <a:t>ransitioned from Docker Compose → Kubernetes for scalability, resilience, and production readiness.</a:t>
+              <a:t>Transitioned from Docker Compose → Kubernetes for scalability, resilience, and production readiness.</a:t>
             </a:r>
           </a:p>
           <a:p>
@@ -3767,9 +3818,18 @@
                 <a:spcPct val="0"/>
               </a:spcBef>
             </a:pPr>
-          </a:p>
-          <a:p>
-            <a:pPr algn="l" marL="431799" indent="-215899" lvl="1">
+            <a:endParaRPr lang="en-US" sz="1999" u="none" spc="119">
+              <a:solidFill>
+                <a:srgbClr val="000000"/>
+              </a:solidFill>
+              <a:latin typeface="DM Sans"/>
+              <a:ea typeface="DM Sans"/>
+              <a:cs typeface="DM Sans"/>
+              <a:sym typeface="DM Sans"/>
+            </a:endParaRPr>
+          </a:p>
+          <a:p>
+            <a:pPr marL="431799" lvl="1" indent="-215899" algn="l">
               <a:lnSpc>
                 <a:spcPts val="2699"/>
               </a:lnSpc>
@@ -3780,7 +3840,7 @@
               <a:buChar char="•"/>
             </a:pPr>
             <a:r>
-              <a:rPr lang="en-US" sz="1999" spc="119" u="none">
+              <a:rPr lang="en-US" sz="1999" u="none" spc="119">
                 <a:solidFill>
                   <a:srgbClr val="000000"/>
                 </a:solidFill>
@@ -3801,9 +3861,18 @@
                 <a:spcPct val="0"/>
               </a:spcBef>
             </a:pPr>
-          </a:p>
-          <a:p>
-            <a:pPr algn="l" marL="431799" indent="-215899" lvl="1">
+            <a:endParaRPr lang="en-US" sz="1999" u="none" spc="119">
+              <a:solidFill>
+                <a:srgbClr val="000000"/>
+              </a:solidFill>
+              <a:latin typeface="DM Sans"/>
+              <a:ea typeface="DM Sans"/>
+              <a:cs typeface="DM Sans"/>
+              <a:sym typeface="DM Sans"/>
+            </a:endParaRPr>
+          </a:p>
+          <a:p>
+            <a:pPr marL="431799" lvl="1" indent="-215899" algn="l">
               <a:lnSpc>
                 <a:spcPts val="2699"/>
               </a:lnSpc>
@@ -3814,7 +3883,7 @@
               <a:buChar char="•"/>
             </a:pPr>
             <a:r>
-              <a:rPr lang="en-US" sz="1999" spc="119" u="none">
+              <a:rPr lang="en-US" sz="1999" u="none" spc="119">
                 <a:solidFill>
                   <a:srgbClr val="000000"/>
                 </a:solidFill>
@@ -3835,9 +3904,18 @@
                 <a:spcPct val="0"/>
               </a:spcBef>
             </a:pPr>
-          </a:p>
-          <a:p>
-            <a:pPr algn="l" marL="431799" indent="-215899" lvl="1">
+            <a:endParaRPr lang="en-US" sz="1999" u="none" spc="119">
+              <a:solidFill>
+                <a:srgbClr val="000000"/>
+              </a:solidFill>
+              <a:latin typeface="DM Sans"/>
+              <a:ea typeface="DM Sans"/>
+              <a:cs typeface="DM Sans"/>
+              <a:sym typeface="DM Sans"/>
+            </a:endParaRPr>
+          </a:p>
+          <a:p>
+            <a:pPr marL="431799" lvl="1" indent="-215899" algn="l">
               <a:lnSpc>
                 <a:spcPts val="2699"/>
               </a:lnSpc>
@@ -3848,7 +3926,7 @@
               <a:buChar char="•"/>
             </a:pPr>
             <a:r>
-              <a:rPr lang="en-US" sz="1999" spc="119" u="none">
+              <a:rPr lang="en-US" sz="1999" u="none" spc="119">
                 <a:solidFill>
                   <a:srgbClr val="000000"/>
                 </a:solidFill>
@@ -3869,9 +3947,18 @@
                 <a:spcPct val="0"/>
               </a:spcBef>
             </a:pPr>
-          </a:p>
-          <a:p>
-            <a:pPr algn="l" marL="431799" indent="-215899" lvl="1">
+            <a:endParaRPr lang="en-US" sz="1999" u="none" spc="119">
+              <a:solidFill>
+                <a:srgbClr val="000000"/>
+              </a:solidFill>
+              <a:latin typeface="DM Sans"/>
+              <a:ea typeface="DM Sans"/>
+              <a:cs typeface="DM Sans"/>
+              <a:sym typeface="DM Sans"/>
+            </a:endParaRPr>
+          </a:p>
+          <a:p>
+            <a:pPr marL="431799" lvl="1" indent="-215899" algn="l">
               <a:lnSpc>
                 <a:spcPts val="2699"/>
               </a:lnSpc>
@@ -3882,7 +3969,7 @@
               <a:buChar char="•"/>
             </a:pPr>
             <a:r>
-              <a:rPr lang="en-US" sz="1999" spc="119" u="none">
+              <a:rPr lang="en-US" sz="1999" u="none" spc="119">
                 <a:solidFill>
                   <a:srgbClr val="000000"/>
                 </a:solidFill>
@@ -3903,9 +3990,18 @@
                 <a:spcPct val="0"/>
               </a:spcBef>
             </a:pPr>
-          </a:p>
-          <a:p>
-            <a:pPr algn="l" marL="431799" indent="-215899" lvl="1">
+            <a:endParaRPr lang="en-US" sz="1999" u="none" spc="119">
+              <a:solidFill>
+                <a:srgbClr val="000000"/>
+              </a:solidFill>
+              <a:latin typeface="DM Sans"/>
+              <a:ea typeface="DM Sans"/>
+              <a:cs typeface="DM Sans"/>
+              <a:sym typeface="DM Sans"/>
+            </a:endParaRPr>
+          </a:p>
+          <a:p>
+            <a:pPr marL="431799" lvl="1" indent="-215899" algn="l">
               <a:lnSpc>
                 <a:spcPts val="2699"/>
               </a:lnSpc>
@@ -3916,7 +4012,7 @@
               <a:buChar char="•"/>
             </a:pPr>
             <a:r>
-              <a:rPr lang="en-US" sz="1999" spc="119" u="none">
+              <a:rPr lang="en-US" sz="1999" u="none" spc="119">
                 <a:solidFill>
                   <a:srgbClr val="000000"/>
                 </a:solidFill>
@@ -3937,6 +4033,15 @@
                 <a:spcPct val="0"/>
               </a:spcBef>
             </a:pPr>
+            <a:endParaRPr lang="en-US" sz="1999" u="none" spc="119">
+              <a:solidFill>
+                <a:srgbClr val="000000"/>
+              </a:solidFill>
+              <a:latin typeface="DM Sans"/>
+              <a:ea typeface="DM Sans"/>
+              <a:cs typeface="DM Sans"/>
+              <a:sym typeface="DM Sans"/>
+            </a:endParaRPr>
           </a:p>
           <a:p>
             <a:pPr algn="l">
@@ -3947,9 +4052,18 @@
                 <a:spcPct val="0"/>
               </a:spcBef>
             </a:pPr>
-          </a:p>
-          <a:p>
-            <a:pPr algn="l" marL="0" indent="0" lvl="0">
+            <a:endParaRPr lang="en-US" sz="1999" u="none" spc="119">
+              <a:solidFill>
+                <a:srgbClr val="000000"/>
+              </a:solidFill>
+              <a:latin typeface="DM Sans"/>
+              <a:ea typeface="DM Sans"/>
+              <a:cs typeface="DM Sans"/>
+              <a:sym typeface="DM Sans"/>
+            </a:endParaRPr>
+          </a:p>
+          <a:p>
+            <a:pPr marL="0" lvl="0" indent="0" algn="l">
               <a:lnSpc>
                 <a:spcPts val="2699"/>
               </a:lnSpc>
@@ -3957,17 +4071,26 @@
                 <a:spcPct val="0"/>
               </a:spcBef>
             </a:pPr>
-          </a:p>
-        </p:txBody>
-      </p:sp>
-      <p:sp>
-        <p:nvSpPr>
-          <p:cNvPr name="TextBox 11" id="11"/>
-          <p:cNvSpPr txBox="true"/>
+            <a:endParaRPr lang="en-US" sz="1999" u="none" spc="119">
+              <a:solidFill>
+                <a:srgbClr val="000000"/>
+              </a:solidFill>
+              <a:latin typeface="DM Sans"/>
+              <a:ea typeface="DM Sans"/>
+              <a:cs typeface="DM Sans"/>
+              <a:sym typeface="DM Sans"/>
+            </a:endParaRPr>
+          </a:p>
+        </p:txBody>
+      </p:sp>
+      <p:sp>
+        <p:nvSpPr>
+          <p:cNvPr id="11" name="TextBox 11"/>
+          <p:cNvSpPr txBox="1"/>
           <p:nvPr/>
         </p:nvSpPr>
         <p:spPr>
-          <a:xfrm rot="0">
+          <a:xfrm>
             <a:off x="8902789" y="782366"/>
             <a:ext cx="7848753" cy="1177290"/>
           </a:xfrm>
@@ -3976,7 +4099,7 @@
           </a:prstGeom>
         </p:spPr>
         <p:txBody>
-          <a:bodyPr anchor="t" rtlCol="false" tIns="0" lIns="0" bIns="0" rIns="0">
+          <a:bodyPr lIns="0" tIns="0" rIns="0" bIns="0" rtlCol="0" anchor="t">
             <a:spAutoFit/>
           </a:bodyPr>
           <a:lstStyle/>
@@ -3987,7 +4110,7 @@
               </a:lnSpc>
             </a:pPr>
             <a:r>
-              <a:rPr lang="en-US" sz="9000" b="true">
+              <a:rPr lang="en-US" sz="9000" b="1">
                 <a:solidFill>
                   <a:srgbClr val="000000"/>
                 </a:solidFill>
@@ -4000,492 +4123,6 @@
             </a:r>
           </a:p>
         </p:txBody>
-      </p:sp>
-    </p:spTree>
-  </p:cSld>
-  <p:clrMapOvr>
-    <a:masterClrMapping/>
-  </p:clrMapOvr>
-</p:sld>
-</file>
-
-<file path=ppt/slides/slide2.xml><?xml version="1.0" encoding="utf-8"?>
-<p:sld xmlns:p="http://schemas.openxmlformats.org/presentationml/2006/main" xmlns:a="http://schemas.openxmlformats.org/drawingml/2006/main" xmlns:r="http://schemas.openxmlformats.org/officeDocument/2006/relationships">
-  <p:cSld>
-    <p:bg>
-      <p:bgPr>
-        <a:solidFill>
-          <a:srgbClr val="F1F1F1"/>
-        </a:solidFill>
-      </p:bgPr>
-    </p:bg>
-    <p:spTree>
-      <p:nvGrpSpPr>
-        <p:cNvPr id="1" name=""/>
-        <p:cNvGrpSpPr/>
-        <p:nvPr/>
-      </p:nvGrpSpPr>
-      <p:grpSpPr>
-        <a:xfrm>
-          <a:off x="0" y="0"/>
-          <a:ext cx="0" cy="0"/>
-          <a:chOff x="0" y="0"/>
-          <a:chExt cx="0" cy="0"/>
-        </a:xfrm>
-      </p:grpSpPr>
-      <p:sp>
-        <p:nvSpPr>
-          <p:cNvPr name="Freeform 2" id="2"/>
-          <p:cNvSpPr/>
-          <p:nvPr/>
-        </p:nvSpPr>
-        <p:spPr>
-          <a:xfrm flipH="false" flipV="false" rot="0">
-            <a:off x="10994934" y="2091045"/>
-            <a:ext cx="6264366" cy="6104909"/>
-          </a:xfrm>
-          <a:custGeom>
-            <a:avLst/>
-            <a:gdLst/>
-            <a:ahLst/>
-            <a:cxnLst/>
-            <a:rect r="r" b="b" t="t" l="l"/>
-            <a:pathLst>
-              <a:path h="6104909" w="6264366">
-                <a:moveTo>
-                  <a:pt x="0" y="0"/>
-                </a:moveTo>
-                <a:lnTo>
-                  <a:pt x="6264366" y="0"/>
-                </a:lnTo>
-                <a:lnTo>
-                  <a:pt x="6264366" y="6104910"/>
-                </a:lnTo>
-                <a:lnTo>
-                  <a:pt x="0" y="6104910"/>
-                </a:lnTo>
-                <a:lnTo>
-                  <a:pt x="0" y="0"/>
-                </a:lnTo>
-                <a:close/>
-              </a:path>
-            </a:pathLst>
-          </a:custGeom>
-          <a:blipFill>
-            <a:blip r:embed="rId2">
-              <a:extLst>
-                <a:ext uri="{96DAC541-7B7A-43D3-8B79-37D633B846F1}">
-                  <asvg:svgBlip xmlns:asvg="http://schemas.microsoft.com/office/drawing/2016/SVG/main" r:embed="rId3"/>
-                </a:ext>
-              </a:extLst>
-            </a:blip>
-            <a:stretch>
-              <a:fillRect l="0" t="0" r="0" b="0"/>
-            </a:stretch>
-          </a:blipFill>
-        </p:spPr>
-      </p:sp>
-      <p:sp>
-        <p:nvSpPr>
-          <p:cNvPr name="TextBox 3" id="3"/>
-          <p:cNvSpPr txBox="true"/>
-          <p:nvPr/>
-        </p:nvSpPr>
-        <p:spPr>
-          <a:xfrm rot="0">
-            <a:off x="1504950" y="2345718"/>
-            <a:ext cx="7848753" cy="2282190"/>
-          </a:xfrm>
-          <a:prstGeom prst="rect">
-            <a:avLst/>
-          </a:prstGeom>
-        </p:spPr>
-        <p:txBody>
-          <a:bodyPr anchor="t" rtlCol="false" tIns="0" lIns="0" bIns="0" rIns="0">
-            <a:spAutoFit/>
-          </a:bodyPr>
-          <a:lstStyle/>
-          <a:p>
-            <a:pPr algn="l">
-              <a:lnSpc>
-                <a:spcPts val="8730"/>
-              </a:lnSpc>
-            </a:pPr>
-            <a:r>
-              <a:rPr lang="en-US" sz="9000" b="true">
-                <a:solidFill>
-                  <a:srgbClr val="000000"/>
-                </a:solidFill>
-                <a:latin typeface="DM Sans Bold"/>
-                <a:ea typeface="DM Sans Bold"/>
-                <a:cs typeface="DM Sans Bold"/>
-                <a:sym typeface="DM Sans Bold"/>
-              </a:rPr>
-              <a:t>Origin of the creative idea</a:t>
-            </a:r>
-          </a:p>
-        </p:txBody>
-      </p:sp>
-      <p:sp>
-        <p:nvSpPr>
-          <p:cNvPr name="TextBox 4" id="4"/>
-          <p:cNvSpPr txBox="true"/>
-          <p:nvPr/>
-        </p:nvSpPr>
-        <p:spPr>
-          <a:xfrm rot="0">
-            <a:off x="1504950" y="4807557"/>
-            <a:ext cx="7707571" cy="3324225"/>
-          </a:xfrm>
-          <a:prstGeom prst="rect">
-            <a:avLst/>
-          </a:prstGeom>
-        </p:spPr>
-        <p:txBody>
-          <a:bodyPr anchor="t" rtlCol="false" tIns="0" lIns="0" bIns="0" rIns="0">
-            <a:spAutoFit/>
-          </a:bodyPr>
-          <a:lstStyle/>
-          <a:p>
-            <a:pPr algn="l" marL="0" indent="0" lvl="0">
-              <a:lnSpc>
-                <a:spcPts val="2699"/>
-              </a:lnSpc>
-              <a:spcBef>
-                <a:spcPct val="0"/>
-              </a:spcBef>
-            </a:pPr>
-            <a:r>
-              <a:rPr lang="en-US" sz="1999" spc="119" u="none">
-                <a:solidFill>
-                  <a:srgbClr val="000000"/>
-                </a:solidFill>
-                <a:latin typeface="DM Sans"/>
-                <a:ea typeface="DM Sans"/>
-                <a:cs typeface="DM Sans"/>
-                <a:sym typeface="DM Sans"/>
-              </a:rPr>
-              <a:t>Lorem ipsum dolor sit amet, consectetur adipiscing elit, sed do eiusmod tempor incididunt ut labore et dolore magna aliqua. Ut enim ad minim veniam, quis nostrud exercitation ullamco laboris nisi ut aliquip ex ea commodo consequat.</a:t>
-            </a:r>
-          </a:p>
-          <a:p>
-            <a:pPr algn="l" marL="0" indent="0" lvl="0">
-              <a:lnSpc>
-                <a:spcPts val="2699"/>
-              </a:lnSpc>
-              <a:spcBef>
-                <a:spcPct val="0"/>
-              </a:spcBef>
-            </a:pPr>
-          </a:p>
-          <a:p>
-            <a:pPr algn="l" marL="0" indent="0" lvl="0">
-              <a:lnSpc>
-                <a:spcPts val="2699"/>
-              </a:lnSpc>
-              <a:spcBef>
-                <a:spcPct val="0"/>
-              </a:spcBef>
-            </a:pPr>
-            <a:r>
-              <a:rPr lang="en-US" sz="1999" spc="119" u="none">
-                <a:solidFill>
-                  <a:srgbClr val="000000"/>
-                </a:solidFill>
-                <a:latin typeface="DM Sans"/>
-                <a:ea typeface="DM Sans"/>
-                <a:cs typeface="DM Sans"/>
-                <a:sym typeface="DM Sans"/>
-              </a:rPr>
-              <a:t>Duis aute irure dolor in reprehenderit in voluptate velit esse cillum dolore eu fugiat nulla pariatur. Excepteur sint occaecat cupidatat non proident, sunt in culpa qui officia deserunt mollit anim id est laborum.</a:t>
-            </a:r>
-          </a:p>
-        </p:txBody>
-      </p:sp>
-      <p:sp>
-        <p:nvSpPr>
-          <p:cNvPr name="Freeform 5" id="5"/>
-          <p:cNvSpPr/>
-          <p:nvPr/>
-        </p:nvSpPr>
-        <p:spPr>
-          <a:xfrm flipH="false" flipV="false" rot="0">
-            <a:off x="15353489" y="8540136"/>
-            <a:ext cx="4602314" cy="3618569"/>
-          </a:xfrm>
-          <a:custGeom>
-            <a:avLst/>
-            <a:gdLst/>
-            <a:ahLst/>
-            <a:cxnLst/>
-            <a:rect r="r" b="b" t="t" l="l"/>
-            <a:pathLst>
-              <a:path h="3618569" w="4602314">
-                <a:moveTo>
-                  <a:pt x="0" y="0"/>
-                </a:moveTo>
-                <a:lnTo>
-                  <a:pt x="4602314" y="0"/>
-                </a:lnTo>
-                <a:lnTo>
-                  <a:pt x="4602314" y="3618570"/>
-                </a:lnTo>
-                <a:lnTo>
-                  <a:pt x="0" y="3618570"/>
-                </a:lnTo>
-                <a:lnTo>
-                  <a:pt x="0" y="0"/>
-                </a:lnTo>
-                <a:close/>
-              </a:path>
-            </a:pathLst>
-          </a:custGeom>
-          <a:blipFill>
-            <a:blip r:embed="rId4">
-              <a:extLst>
-                <a:ext uri="{96DAC541-7B7A-43D3-8B79-37D633B846F1}">
-                  <asvg:svgBlip xmlns:asvg="http://schemas.microsoft.com/office/drawing/2016/SVG/main" r:embed="rId5"/>
-                </a:ext>
-              </a:extLst>
-            </a:blip>
-            <a:stretch>
-              <a:fillRect l="0" t="0" r="0" b="0"/>
-            </a:stretch>
-          </a:blipFill>
-          <a:ln cap="sq">
-            <a:noFill/>
-            <a:prstDash val="solid"/>
-            <a:miter/>
-          </a:ln>
-        </p:spPr>
-      </p:sp>
-      <p:sp>
-        <p:nvSpPr>
-          <p:cNvPr name="Freeform 6" id="6"/>
-          <p:cNvSpPr/>
-          <p:nvPr/>
-        </p:nvSpPr>
-        <p:spPr>
-          <a:xfrm flipH="false" flipV="false" rot="0">
-            <a:off x="-674156" y="-1072630"/>
-            <a:ext cx="4899948" cy="3068592"/>
-          </a:xfrm>
-          <a:custGeom>
-            <a:avLst/>
-            <a:gdLst/>
-            <a:ahLst/>
-            <a:cxnLst/>
-            <a:rect r="r" b="b" t="t" l="l"/>
-            <a:pathLst>
-              <a:path h="3068592" w="4899948">
-                <a:moveTo>
-                  <a:pt x="0" y="0"/>
-                </a:moveTo>
-                <a:lnTo>
-                  <a:pt x="4899948" y="0"/>
-                </a:lnTo>
-                <a:lnTo>
-                  <a:pt x="4899948" y="3068592"/>
-                </a:lnTo>
-                <a:lnTo>
-                  <a:pt x="0" y="3068592"/>
-                </a:lnTo>
-                <a:lnTo>
-                  <a:pt x="0" y="0"/>
-                </a:lnTo>
-                <a:close/>
-              </a:path>
-            </a:pathLst>
-          </a:custGeom>
-          <a:blipFill>
-            <a:blip r:embed="rId6">
-              <a:extLst>
-                <a:ext uri="{96DAC541-7B7A-43D3-8B79-37D633B846F1}">
-                  <asvg:svgBlip xmlns:asvg="http://schemas.microsoft.com/office/drawing/2016/SVG/main" r:embed="rId7"/>
-                </a:ext>
-              </a:extLst>
-            </a:blip>
-            <a:stretch>
-              <a:fillRect l="0" t="0" r="0" b="0"/>
-            </a:stretch>
-          </a:blipFill>
-          <a:ln cap="sq">
-            <a:noFill/>
-            <a:prstDash val="solid"/>
-            <a:miter/>
-          </a:ln>
-        </p:spPr>
-      </p:sp>
-      <p:sp>
-        <p:nvSpPr>
-          <p:cNvPr name="Freeform 7" id="7"/>
-          <p:cNvSpPr/>
-          <p:nvPr/>
-        </p:nvSpPr>
-        <p:spPr>
-          <a:xfrm flipH="false" flipV="false" rot="0">
-            <a:off x="9144000" y="9258300"/>
-            <a:ext cx="4076270" cy="2863579"/>
-          </a:xfrm>
-          <a:custGeom>
-            <a:avLst/>
-            <a:gdLst/>
-            <a:ahLst/>
-            <a:cxnLst/>
-            <a:rect r="r" b="b" t="t" l="l"/>
-            <a:pathLst>
-              <a:path h="2863579" w="4076270">
-                <a:moveTo>
-                  <a:pt x="0" y="0"/>
-                </a:moveTo>
-                <a:lnTo>
-                  <a:pt x="4076270" y="0"/>
-                </a:lnTo>
-                <a:lnTo>
-                  <a:pt x="4076270" y="2863579"/>
-                </a:lnTo>
-                <a:lnTo>
-                  <a:pt x="0" y="2863579"/>
-                </a:lnTo>
-                <a:lnTo>
-                  <a:pt x="0" y="0"/>
-                </a:lnTo>
-                <a:close/>
-              </a:path>
-            </a:pathLst>
-          </a:custGeom>
-          <a:blipFill>
-            <a:blip r:embed="rId8">
-              <a:extLst>
-                <a:ext uri="{96DAC541-7B7A-43D3-8B79-37D633B846F1}">
-                  <asvg:svgBlip xmlns:asvg="http://schemas.microsoft.com/office/drawing/2016/SVG/main" r:embed="rId9"/>
-                </a:ext>
-              </a:extLst>
-            </a:blip>
-            <a:stretch>
-              <a:fillRect l="0" t="0" r="0" b="0"/>
-            </a:stretch>
-          </a:blipFill>
-          <a:ln cap="sq">
-            <a:noFill/>
-            <a:prstDash val="solid"/>
-            <a:miter/>
-          </a:ln>
-        </p:spPr>
-      </p:sp>
-      <p:sp>
-        <p:nvSpPr>
-          <p:cNvPr name="Freeform 8" id="8"/>
-          <p:cNvSpPr/>
-          <p:nvPr/>
-        </p:nvSpPr>
-        <p:spPr>
-          <a:xfrm flipH="false" flipV="false" rot="0">
-            <a:off x="5003948" y="-1890601"/>
-            <a:ext cx="2892762" cy="2919301"/>
-          </a:xfrm>
-          <a:custGeom>
-            <a:avLst/>
-            <a:gdLst/>
-            <a:ahLst/>
-            <a:cxnLst/>
-            <a:rect r="r" b="b" t="t" l="l"/>
-            <a:pathLst>
-              <a:path h="2919301" w="2892762">
-                <a:moveTo>
-                  <a:pt x="0" y="0"/>
-                </a:moveTo>
-                <a:lnTo>
-                  <a:pt x="2892762" y="0"/>
-                </a:lnTo>
-                <a:lnTo>
-                  <a:pt x="2892762" y="2919301"/>
-                </a:lnTo>
-                <a:lnTo>
-                  <a:pt x="0" y="2919301"/>
-                </a:lnTo>
-                <a:lnTo>
-                  <a:pt x="0" y="0"/>
-                </a:lnTo>
-                <a:close/>
-              </a:path>
-            </a:pathLst>
-          </a:custGeom>
-          <a:blipFill>
-            <a:blip r:embed="rId10">
-              <a:extLst>
-                <a:ext uri="{96DAC541-7B7A-43D3-8B79-37D633B846F1}">
-                  <asvg:svgBlip xmlns:asvg="http://schemas.microsoft.com/office/drawing/2016/SVG/main" r:embed="rId11"/>
-                </a:ext>
-              </a:extLst>
-            </a:blip>
-            <a:stretch>
-              <a:fillRect l="0" t="0" r="0" b="0"/>
-            </a:stretch>
-          </a:blipFill>
-          <a:ln cap="sq">
-            <a:noFill/>
-            <a:prstDash val="solid"/>
-            <a:miter/>
-          </a:ln>
-        </p:spPr>
-      </p:sp>
-      <p:sp>
-        <p:nvSpPr>
-          <p:cNvPr name="Freeform 9" id="9"/>
-          <p:cNvSpPr/>
-          <p:nvPr/>
-        </p:nvSpPr>
-        <p:spPr>
-          <a:xfrm flipH="false" flipV="false" rot="-5282649">
-            <a:off x="16004285" y="265374"/>
-            <a:ext cx="4017207" cy="1370872"/>
-          </a:xfrm>
-          <a:custGeom>
-            <a:avLst/>
-            <a:gdLst/>
-            <a:ahLst/>
-            <a:cxnLst/>
-            <a:rect r="r" b="b" t="t" l="l"/>
-            <a:pathLst>
-              <a:path h="1370872" w="4017207">
-                <a:moveTo>
-                  <a:pt x="0" y="0"/>
-                </a:moveTo>
-                <a:lnTo>
-                  <a:pt x="4017207" y="0"/>
-                </a:lnTo>
-                <a:lnTo>
-                  <a:pt x="4017207" y="1370872"/>
-                </a:lnTo>
-                <a:lnTo>
-                  <a:pt x="0" y="1370872"/>
-                </a:lnTo>
-                <a:lnTo>
-                  <a:pt x="0" y="0"/>
-                </a:lnTo>
-                <a:close/>
-              </a:path>
-            </a:pathLst>
-          </a:custGeom>
-          <a:blipFill>
-            <a:blip r:embed="rId12">
-              <a:extLst>
-                <a:ext uri="{96DAC541-7B7A-43D3-8B79-37D633B846F1}">
-                  <asvg:svgBlip xmlns:asvg="http://schemas.microsoft.com/office/drawing/2016/SVG/main" r:embed="rId13"/>
-                </a:ext>
-              </a:extLst>
-            </a:blip>
-            <a:stretch>
-              <a:fillRect l="0" t="0" r="0" b="0"/>
-            </a:stretch>
-          </a:blipFill>
-          <a:ln cap="sq">
-            <a:noFill/>
-            <a:prstDash val="solid"/>
-            <a:miter/>
-          </a:ln>
-        </p:spPr>
       </p:sp>
     </p:spTree>
   </p:cSld>
